--- a/InfoSec/PPTs/Labs/Lab2-Race_Condition.pptx
+++ b/InfoSec/PPTs/Labs/Lab2-Race_Condition.pptx
@@ -30,8 +30,8 @@
     <p:sldId id="287" r:id="rId21"/>
     <p:sldId id="275" r:id="rId22"/>
     <p:sldId id="276" r:id="rId23"/>
-    <p:sldId id="278" r:id="rId24"/>
-    <p:sldId id="282" r:id="rId25"/>
+    <p:sldId id="288" r:id="rId24"/>
+    <p:sldId id="278" r:id="rId25"/>
     <p:sldId id="279" r:id="rId26"/>
     <p:sldId id="280" r:id="rId27"/>
     <p:sldId id="281" r:id="rId28"/>
@@ -2035,6 +2035,22 @@
               </a:spcBef>
               <a:buNone/>
             </a:pPr>
+            <a:r>
+              <a:rPr lang="en-US" dirty="0">
+                <a:solidFill>
+                  <a:schemeClr val="tx1"/>
+                </a:solidFill>
+              </a:rPr>
+              <a:t>Run it with different </a:t>
+            </a:r>
+            <a:r>
+              <a:rPr lang="en-GB" dirty="0">
+                <a:solidFill>
+                  <a:schemeClr val="tx1"/>
+                </a:solidFill>
+              </a:rPr>
+              <a:t>user IDs (seed and root), experiments were conducted to understand the protection.</a:t>
+            </a:r>
             <a:endParaRPr lang="en-GB" dirty="0"/>
           </a:p>
         </p:txBody>
@@ -11030,6 +11046,179 @@
   <p:cSld>
     <p:spTree>
       <p:nvGrpSpPr>
+        <p:cNvPr id="1" name=""/>
+        <p:cNvGrpSpPr/>
+        <p:nvPr/>
+      </p:nvGrpSpPr>
+      <p:grpSpPr>
+        <a:xfrm>
+          <a:off x="0" y="0"/>
+          <a:ext cx="0" cy="0"/>
+          <a:chOff x="0" y="0"/>
+          <a:chExt cx="0" cy="0"/>
+        </a:xfrm>
+      </p:grpSpPr>
+      <p:sp>
+        <p:nvSpPr>
+          <p:cNvPr id="2" name="Title 1">
+            <a:extLst>
+              <a:ext uri="{FF2B5EF4-FFF2-40B4-BE49-F238E27FC236}">
+                <a16:creationId xmlns:a16="http://schemas.microsoft.com/office/drawing/2014/main" id="{E562325B-8BD0-4DA5-8B15-E3158D860A30}"/>
+              </a:ext>
+            </a:extLst>
+          </p:cNvPr>
+          <p:cNvSpPr>
+            <a:spLocks noGrp="1"/>
+          </p:cNvSpPr>
+          <p:nvPr>
+            <p:ph type="title"/>
+          </p:nvPr>
+        </p:nvSpPr>
+        <p:spPr/>
+        <p:txBody>
+          <a:bodyPr/>
+          <a:lstStyle/>
+          <a:p>
+            <a:r>
+              <a:rPr lang="en-US" dirty="0"/>
+              <a:t>The Sticky Bit</a:t>
+            </a:r>
+            <a:endParaRPr lang="en-SE" dirty="0"/>
+          </a:p>
+        </p:txBody>
+      </p:sp>
+      <p:sp>
+        <p:nvSpPr>
+          <p:cNvPr id="4" name="Shape 242">
+            <a:extLst>
+              <a:ext uri="{FF2B5EF4-FFF2-40B4-BE49-F238E27FC236}">
+                <a16:creationId xmlns:a16="http://schemas.microsoft.com/office/drawing/2014/main" id="{D6914C48-C33E-48E7-B275-6884CA69BA25}"/>
+              </a:ext>
+            </a:extLst>
+          </p:cNvPr>
+          <p:cNvSpPr txBox="1"/>
+          <p:nvPr/>
+        </p:nvSpPr>
+        <p:spPr>
+          <a:xfrm>
+            <a:off x="311700" y="950253"/>
+            <a:ext cx="8194991" cy="2450171"/>
+          </a:xfrm>
+          <a:prstGeom prst="rect">
+            <a:avLst/>
+          </a:prstGeom>
+          <a:noFill/>
+          <a:ln>
+            <a:noFill/>
+          </a:ln>
+        </p:spPr>
+        <p:txBody>
+          <a:bodyPr wrap="square" lIns="91425" tIns="91425" rIns="91425" bIns="91425" anchor="t" anchorCtr="0">
+            <a:noAutofit/>
+          </a:bodyPr>
+          <a:lstStyle/>
+          <a:p>
+            <a:pPr marL="457200" indent="-342900">
+              <a:buSzPts val="1800"/>
+              <a:buFontTx/>
+              <a:buChar char="●"/>
+            </a:pPr>
+            <a:r>
+              <a:rPr lang="en-GB" sz="1600" dirty="0"/>
+              <a:t>Sticky Directory : A directory has a special bit called sticky bit (the 3</a:t>
+            </a:r>
+            <a:r>
+              <a:rPr lang="en-GB" sz="1600" baseline="30000" dirty="0"/>
+              <a:t>rd</a:t>
+            </a:r>
+            <a:r>
+              <a:rPr lang="en-GB" sz="1600" dirty="0"/>
+              <a:t> bit after </a:t>
+            </a:r>
+            <a:r>
+              <a:rPr lang="en-GB" sz="1600" dirty="0" err="1"/>
+              <a:t>setuid</a:t>
+            </a:r>
+            <a:r>
+              <a:rPr lang="en-GB" sz="1600" dirty="0"/>
+              <a:t> and </a:t>
+            </a:r>
+            <a:r>
+              <a:rPr lang="en-GB" sz="1600" dirty="0" err="1"/>
+              <a:t>setgid</a:t>
+            </a:r>
+            <a:r>
+              <a:rPr lang="en-GB" sz="1600" dirty="0"/>
+              <a:t> bits). When this bit is set, a file inside the directory can be renamed or deleted by the file’s owner, the directory owner or root user. If the bit is not set, any user with write and execute permissions for the directory can rename or delete the file. A directory’s sticky bit is set to prevent a normal user from renaming and deleting other users’ files inside it.</a:t>
+            </a:r>
+          </a:p>
+        </p:txBody>
+      </p:sp>
+      <p:pic>
+        <p:nvPicPr>
+          <p:cNvPr id="5" name="Picture 2" descr="Image">
+            <a:extLst>
+              <a:ext uri="{FF2B5EF4-FFF2-40B4-BE49-F238E27FC236}">
+                <a16:creationId xmlns:a16="http://schemas.microsoft.com/office/drawing/2014/main" id="{73E9518E-DB6A-4087-826D-8DFA8E6BB7EE}"/>
+              </a:ext>
+            </a:extLst>
+          </p:cNvPr>
+          <p:cNvPicPr>
+            <a:picLocks noChangeAspect="1" noChangeArrowheads="1"/>
+          </p:cNvPicPr>
+          <p:nvPr/>
+        </p:nvPicPr>
+        <p:blipFill>
+          <a:blip r:embed="rId2">
+            <a:extLst>
+              <a:ext uri="{28A0092B-C50C-407E-A947-70E740481C1C}">
+                <a14:useLocalDpi xmlns:a14="http://schemas.microsoft.com/office/drawing/2010/main" val="0"/>
+              </a:ext>
+            </a:extLst>
+          </a:blip>
+          <a:srcRect/>
+          <a:stretch>
+            <a:fillRect/>
+          </a:stretch>
+        </p:blipFill>
+        <p:spPr bwMode="auto">
+          <a:xfrm>
+            <a:off x="1905042" y="2524527"/>
+            <a:ext cx="5333915" cy="2586949"/>
+          </a:xfrm>
+          <a:prstGeom prst="rect">
+            <a:avLst/>
+          </a:prstGeom>
+          <a:noFill/>
+          <a:extLst>
+            <a:ext uri="{909E8E84-426E-40DD-AFC4-6F175D3DCCD1}">
+              <a14:hiddenFill xmlns:a14="http://schemas.microsoft.com/office/drawing/2010/main">
+                <a:solidFill>
+                  <a:srgbClr val="FFFFFF"/>
+                </a:solidFill>
+              </a14:hiddenFill>
+            </a:ext>
+          </a:extLst>
+        </p:spPr>
+      </p:pic>
+    </p:spTree>
+    <p:extLst>
+      <p:ext uri="{BB962C8B-B14F-4D97-AF65-F5344CB8AC3E}">
+        <p14:creationId xmlns:p14="http://schemas.microsoft.com/office/powerpoint/2010/main" val="3622700087"/>
+      </p:ext>
+    </p:extLst>
+  </p:cSld>
+  <p:clrMapOvr>
+    <a:masterClrMapping/>
+  </p:clrMapOvr>
+</p:sld>
+</file>
+
+<file path=ppt/slides/slide24.xml><?xml version="1.0" encoding="utf-8"?>
+<p:sld xmlns:a="http://schemas.openxmlformats.org/drawingml/2006/main" xmlns:r="http://schemas.openxmlformats.org/officeDocument/2006/relationships" xmlns:p="http://schemas.openxmlformats.org/presentationml/2006/main">
+  <p:cSld>
+    <p:spTree>
+      <p:nvGrpSpPr>
         <p:cNvPr id="1" name="Shape 237"/>
         <p:cNvGrpSpPr/>
         <p:nvPr/>
@@ -11074,8 +11263,16 @@
               <a:buNone/>
             </a:pPr>
             <a:r>
-              <a:rPr lang="en-GB"/>
-              <a:t>Sticky Symlink Protection</a:t>
+              <a:rPr lang="en-GB" dirty="0"/>
+              <a:t>Sticky </a:t>
+            </a:r>
+            <a:r>
+              <a:rPr lang="en-GB" dirty="0" err="1"/>
+              <a:t>Symlink</a:t>
+            </a:r>
+            <a:r>
+              <a:rPr lang="en-GB" dirty="0"/>
+              <a:t> Protection</a:t>
             </a:r>
           </a:p>
         </p:txBody>
@@ -11088,7 +11285,7 @@
         </p:nvSpPr>
         <p:spPr>
           <a:xfrm>
-            <a:off x="229725" y="1144425"/>
+            <a:off x="229725" y="894449"/>
             <a:ext cx="8602500" cy="572700"/>
           </a:xfrm>
           <a:prstGeom prst="rect">
@@ -11122,67 +11319,6 @@
             <a:r>
               <a:rPr lang="en-GB" sz="1800" dirty="0"/>
               <a:t> protection for world-writable sticky directories:</a:t>
-            </a:r>
-          </a:p>
-        </p:txBody>
-      </p:sp>
-      <p:sp>
-        <p:nvSpPr>
-          <p:cNvPr id="242" name="Shape 242"/>
-          <p:cNvSpPr txBox="1"/>
-          <p:nvPr/>
-        </p:nvSpPr>
-        <p:spPr>
-          <a:xfrm>
-            <a:off x="311700" y="2693328"/>
-            <a:ext cx="8194991" cy="2450171"/>
-          </a:xfrm>
-          <a:prstGeom prst="rect">
-            <a:avLst/>
-          </a:prstGeom>
-          <a:noFill/>
-          <a:ln>
-            <a:noFill/>
-          </a:ln>
-        </p:spPr>
-        <p:txBody>
-          <a:bodyPr wrap="square" lIns="91425" tIns="91425" rIns="91425" bIns="91425" anchor="t" anchorCtr="0">
-            <a:noAutofit/>
-          </a:bodyPr>
-          <a:lstStyle/>
-          <a:p>
-            <a:pPr marL="457200" indent="-342900">
-              <a:buSzPts val="1800"/>
-              <a:buFontTx/>
-              <a:buChar char="●"/>
-            </a:pPr>
-            <a:r>
-              <a:rPr lang="en-GB" sz="1600" dirty="0"/>
-              <a:t>Sticky Directory : A directory has a special bit called sticky bit (the 3</a:t>
-            </a:r>
-            <a:r>
-              <a:rPr lang="en-GB" sz="1600" baseline="30000" dirty="0"/>
-              <a:t>rd</a:t>
-            </a:r>
-            <a:r>
-              <a:rPr lang="en-GB" sz="1600" dirty="0"/>
-              <a:t> bit after </a:t>
-            </a:r>
-            <a:r>
-              <a:rPr lang="en-GB" sz="1600" dirty="0" err="1"/>
-              <a:t>setuid</a:t>
-            </a:r>
-            <a:r>
-              <a:rPr lang="en-GB" sz="1600" dirty="0"/>
-              <a:t> and </a:t>
-            </a:r>
-            <a:r>
-              <a:rPr lang="en-GB" sz="1600" dirty="0" err="1"/>
-              <a:t>setgid</a:t>
-            </a:r>
-            <a:r>
-              <a:rPr lang="en-GB" sz="1600" dirty="0"/>
-              <a:t> bits). When this bit is set, a file inside the directory can be renamed or deleted by the file’s owner, the directory owner or root user. If the bit is not set, any user with write and execute permissions for the directory can rename or delete the file. A directory’s sticky bit is set to prevent a normal user from renaming and deleting other users’ files inside it.</a:t>
             </a:r>
           </a:p>
         </p:txBody>
@@ -11209,7 +11345,7 @@
         </p:blipFill>
         <p:spPr>
           <a:xfrm>
-            <a:off x="740665" y="1530093"/>
+            <a:off x="740665" y="1280117"/>
             <a:ext cx="6979410" cy="1163235"/>
           </a:xfrm>
           <a:prstGeom prst="rect">
@@ -11217,64 +11353,49 @@
           </a:prstGeom>
         </p:spPr>
       </p:pic>
-    </p:spTree>
-  </p:cSld>
-  <p:clrMapOvr>
-    <a:masterClrMapping/>
-  </p:clrMapOvr>
-</p:sld>
-</file>
-
-<file path=ppt/slides/slide24.xml><?xml version="1.0" encoding="utf-8"?>
-<p:sld xmlns:a="http://schemas.openxmlformats.org/drawingml/2006/main" xmlns:r="http://schemas.openxmlformats.org/officeDocument/2006/relationships" xmlns:p="http://schemas.openxmlformats.org/presentationml/2006/main">
-  <p:cSld>
-    <p:spTree>
-      <p:nvGrpSpPr>
-        <p:cNvPr id="1" name=""/>
-        <p:cNvGrpSpPr/>
-        <p:nvPr/>
-      </p:nvGrpSpPr>
-      <p:grpSpPr>
-        <a:xfrm>
-          <a:off x="0" y="0"/>
-          <a:ext cx="0" cy="0"/>
-          <a:chOff x="0" y="0"/>
-          <a:chExt cx="0" cy="0"/>
-        </a:xfrm>
-      </p:grpSpPr>
-      <p:sp>
-        <p:nvSpPr>
-          <p:cNvPr id="2" name="Title 1"/>
-          <p:cNvSpPr>
-            <a:spLocks noGrp="1"/>
-          </p:cNvSpPr>
-          <p:nvPr>
-            <p:ph type="title"/>
-          </p:nvPr>
-        </p:nvSpPr>
-        <p:spPr/>
-        <p:txBody>
-          <a:bodyPr/>
-          <a:lstStyle/>
-          <a:p>
-            <a:r>
-              <a:rPr lang="en-US" dirty="0"/>
-              <a:t>Experiment with </a:t>
-            </a:r>
-            <a:r>
-              <a:rPr lang="en-US" dirty="0" err="1"/>
-              <a:t>Symlink</a:t>
-            </a:r>
-            <a:r>
-              <a:rPr lang="en-US" dirty="0"/>
-              <a:t> Protection</a:t>
-            </a:r>
-          </a:p>
-        </p:txBody>
-      </p:sp>
-      <p:sp>
-        <p:nvSpPr>
-          <p:cNvPr id="3" name="Text Placeholder 2"/>
+      <p:pic>
+        <p:nvPicPr>
+          <p:cNvPr id="7" name="Shape 239">
+            <a:extLst>
+              <a:ext uri="{FF2B5EF4-FFF2-40B4-BE49-F238E27FC236}">
+                <a16:creationId xmlns:a16="http://schemas.microsoft.com/office/drawing/2014/main" id="{2B3535E2-47B7-4A0C-A216-9C03C4F8CA51}"/>
+              </a:ext>
+            </a:extLst>
+          </p:cNvPr>
+          <p:cNvPicPr preferRelativeResize="0"/>
+          <p:nvPr/>
+        </p:nvPicPr>
+        <p:blipFill>
+          <a:blip r:embed="rId4">
+            <a:alphaModFix/>
+          </a:blip>
+          <a:stretch>
+            <a:fillRect/>
+          </a:stretch>
+        </p:blipFill>
+        <p:spPr>
+          <a:xfrm>
+            <a:off x="740665" y="2571750"/>
+            <a:ext cx="3686610" cy="2487898"/>
+          </a:xfrm>
+          <a:prstGeom prst="rect">
+            <a:avLst/>
+          </a:prstGeom>
+          <a:noFill/>
+          <a:ln>
+            <a:noFill/>
+          </a:ln>
+        </p:spPr>
+      </p:pic>
+      <p:sp>
+        <p:nvSpPr>
+          <p:cNvPr id="8" name="Text Placeholder 2">
+            <a:extLst>
+              <a:ext uri="{FF2B5EF4-FFF2-40B4-BE49-F238E27FC236}">
+                <a16:creationId xmlns:a16="http://schemas.microsoft.com/office/drawing/2014/main" id="{4005B64E-37BA-493C-BA9B-1EDF79FEAE87}"/>
+              </a:ext>
+            </a:extLst>
+          </p:cNvPr>
           <p:cNvSpPr>
             <a:spLocks noGrp="1"/>
           </p:cNvSpPr>
@@ -11284,7 +11405,7 @@
         </p:nvSpPr>
         <p:spPr>
           <a:xfrm>
-            <a:off x="4897316" y="1758462"/>
+            <a:off x="4660493" y="2886607"/>
             <a:ext cx="3666392" cy="1579490"/>
           </a:xfrm>
         </p:spPr>
@@ -11294,7 +11415,7 @@
           <a:p>
             <a:pPr marL="285750" lvl="0" indent="-285750">
               <a:buBlip>
-                <a:blip r:embed="rId2"/>
+                <a:blip r:embed="rId5"/>
               </a:buBlip>
             </a:pPr>
             <a:r>
@@ -11303,58 +11424,28 @@
                   <a:schemeClr val="tx1"/>
                 </a:solidFill>
               </a:rPr>
-              <a:t> </a:t>
-            </a:r>
-            <a:r>
-              <a:rPr lang="en-GB" dirty="0">
+              <a:t>A test program for understanding sticky </a:t>
+            </a:r>
+            <a:r>
+              <a:rPr lang="en-US" dirty="0" err="1">
                 <a:solidFill>
                   <a:schemeClr val="tx1"/>
                 </a:solidFill>
               </a:rPr>
-              <a:t>Using the code and user IDs (seed and root), experiments were conducted to understand the protection.</a:t>
-            </a:r>
-            <a:endParaRPr lang="en-US" dirty="0">
-              <a:solidFill>
-                <a:schemeClr val="tx1"/>
-              </a:solidFill>
-            </a:endParaRPr>
+              <a:t>symlink</a:t>
+            </a:r>
+            <a:r>
+              <a:rPr lang="en-US" dirty="0">
+                <a:solidFill>
+                  <a:schemeClr val="tx1"/>
+                </a:solidFill>
+              </a:rPr>
+              <a:t> protection. </a:t>
+            </a:r>
           </a:p>
         </p:txBody>
       </p:sp>
-      <p:pic>
-        <p:nvPicPr>
-          <p:cNvPr id="5" name="Shape 239"/>
-          <p:cNvPicPr preferRelativeResize="0"/>
-          <p:nvPr/>
-        </p:nvPicPr>
-        <p:blipFill>
-          <a:blip r:embed="rId3">
-            <a:alphaModFix/>
-          </a:blip>
-          <a:stretch>
-            <a:fillRect/>
-          </a:stretch>
-        </p:blipFill>
-        <p:spPr>
-          <a:xfrm>
-            <a:off x="609229" y="1467175"/>
-            <a:ext cx="4129825" cy="2787000"/>
-          </a:xfrm>
-          <a:prstGeom prst="rect">
-            <a:avLst/>
-          </a:prstGeom>
-          <a:noFill/>
-          <a:ln>
-            <a:noFill/>
-          </a:ln>
-        </p:spPr>
-      </p:pic>
     </p:spTree>
-    <p:extLst>
-      <p:ext uri="{BB962C8B-B14F-4D97-AF65-F5344CB8AC3E}">
-        <p14:creationId xmlns:p14="http://schemas.microsoft.com/office/powerpoint/2010/main" val="2840783728"/>
-      </p:ext>
-    </p:extLst>
   </p:cSld>
   <p:clrMapOvr>
     <a:masterClrMapping/>

--- a/InfoSec/PPTs/Labs/Lab2-Race_Condition.pptx
+++ b/InfoSec/PPTs/Labs/Lab2-Race_Condition.pptx
@@ -2695,42 +2695,7 @@
               </a:spcBef>
               <a:buNone/>
             </a:pPr>
-            <a:r>
-              <a:rPr lang="en-GB" dirty="0"/>
-              <a:t>The above </a:t>
-            </a:r>
-            <a:r>
-              <a:rPr lang="en-GB" dirty="0" err="1"/>
-              <a:t>php</a:t>
-            </a:r>
-            <a:r>
-              <a:rPr lang="en-GB" dirty="0"/>
-              <a:t> code performs withdrawal transaction from a bank. The function checks if the amount to be withdrawn is less than the balance. If yes, it authorizes the withdraw and updates the </a:t>
-            </a:r>
-            <a:r>
-              <a:rPr lang="en-GB" dirty="0" err="1"/>
-              <a:t>balance.If</a:t>
-            </a:r>
-            <a:r>
-              <a:rPr lang="en-GB" dirty="0"/>
-              <a:t> there are two simultaneous withdraw requests, a race condition may occur. Example, Current balance  = $100. Request 1 to withdraw $90. Before the server updates the balance, request 2 tries to withdraw $90 which will approved as </a:t>
-            </a:r>
-            <a:r>
-              <a:rPr lang="en-GB" dirty="0" err="1"/>
-              <a:t>cuurent</a:t>
-            </a:r>
-            <a:r>
-              <a:rPr lang="en-GB" dirty="0"/>
-              <a:t> balance is still $100. Hence, $180 will be </a:t>
-            </a:r>
-            <a:r>
-              <a:rPr lang="en-GB" dirty="0" err="1"/>
-              <a:t>winthdrawn</a:t>
-            </a:r>
-            <a:r>
-              <a:rPr lang="en-GB" dirty="0"/>
-              <a:t> with $10 in the account as balance</a:t>
-            </a:r>
+            <a:endParaRPr lang="en-GB" dirty="0"/>
           </a:p>
         </p:txBody>
       </p:sp>
@@ -7227,8 +7192,16 @@
               <a:buNone/>
             </a:pPr>
             <a:r>
+              <a:rPr lang="en-GB" sz="1800" dirty="0">
+                <a:solidFill>
+                  <a:srgbClr val="C00000"/>
+                </a:solidFill>
+              </a:rPr>
+              <a:t>A1, V1 , A2, V2 </a:t>
+            </a:r>
+            <a:r>
               <a:rPr lang="en-GB" sz="1800" dirty="0"/>
-              <a:t>A1, V1 , A2, V2 : vulnerable </a:t>
+              <a:t>: vulnerable </a:t>
             </a:r>
             <a:r>
               <a:rPr lang="en-GB" sz="1800" dirty="0" err="1"/>
@@ -7350,8 +7323,8 @@
         </p:nvSpPr>
         <p:spPr>
           <a:xfrm>
-            <a:off x="5224500" y="3883500"/>
-            <a:ext cx="3445800" cy="1053000"/>
+            <a:off x="5224499" y="3762857"/>
+            <a:ext cx="3708981" cy="1173643"/>
           </a:xfrm>
           <a:prstGeom prst="rect">
             <a:avLst/>
@@ -7363,19 +7336,48 @@
           </a:bodyPr>
           <a:lstStyle/>
           <a:p>
-            <a:pPr marL="0" lvl="0" indent="0">
-              <a:spcBef>
-                <a:spcPts val="0"/>
-              </a:spcBef>
-              <a:buNone/>
-            </a:pPr>
-            <a:r>
-              <a:rPr lang="en-GB">
+            <a:pPr lvl="0">
+              <a:buNone/>
+            </a:pPr>
+            <a:r>
+              <a:rPr lang="en-GB" dirty="0">
                 <a:solidFill>
                   <a:srgbClr val="000000"/>
                 </a:solidFill>
               </a:rPr>
-              <a:t>Race condition between access() and fopen(). Any protected file can be written.</a:t>
+              <a:t>Unlink /</a:t>
+            </a:r>
+            <a:r>
+              <a:rPr lang="en-GB" dirty="0" err="1">
+                <a:solidFill>
+                  <a:srgbClr val="000000"/>
+                </a:solidFill>
+              </a:rPr>
+              <a:t>tmp</a:t>
+            </a:r>
+            <a:r>
+              <a:rPr lang="en-GB" dirty="0">
+                <a:solidFill>
+                  <a:srgbClr val="000000"/>
+                </a:solidFill>
+              </a:rPr>
+              <a:t>/XYZ and relink it to /etc/passwd between access() and </a:t>
+            </a:r>
+            <a:r>
+              <a:rPr lang="en-GB" dirty="0" err="1">
+                <a:solidFill>
+                  <a:srgbClr val="000000"/>
+                </a:solidFill>
+              </a:rPr>
+              <a:t>fopen</a:t>
+            </a:r>
+            <a:r>
+              <a:rPr lang="en-GB" dirty="0">
+                <a:solidFill>
+                  <a:srgbClr val="000000"/>
+                </a:solidFill>
+              </a:rPr>
+              <a:t>() to overwrite /etc/passwd.</a:t>
             </a:r>
           </a:p>
         </p:txBody>
@@ -7418,8 +7420,8 @@
         </p:nvCxnSpPr>
         <p:spPr>
           <a:xfrm flipH="1">
-            <a:off x="2694492" y="3440512"/>
-            <a:ext cx="3880008" cy="0"/>
+            <a:off x="2552426" y="3407620"/>
+            <a:ext cx="4022074" cy="0"/>
           </a:xfrm>
           <a:prstGeom prst="straightConnector1">
             <a:avLst/>
@@ -7446,7 +7448,7 @@
         </p:nvCxnSpPr>
         <p:spPr>
           <a:xfrm>
-            <a:off x="6574500" y="3440512"/>
+            <a:off x="6574500" y="3407620"/>
             <a:ext cx="0" cy="442988"/>
           </a:xfrm>
           <a:prstGeom prst="straightConnector1">
@@ -9927,13 +9929,13 @@
         </p:nvSpPr>
         <p:spPr>
           <a:xfrm>
-            <a:off x="124664" y="3970242"/>
-            <a:ext cx="4187085" cy="1173258"/>
+            <a:off x="124664" y="3840240"/>
+            <a:ext cx="4187085" cy="1303260"/>
           </a:xfrm>
         </p:spPr>
         <p:txBody>
           <a:bodyPr>
-            <a:normAutofit fontScale="70000" lnSpcReduction="20000"/>
+            <a:normAutofit/>
           </a:bodyPr>
           <a:lstStyle/>
           <a:p>
@@ -9941,23 +9943,47 @@
               <a:buNone/>
             </a:pPr>
             <a:r>
-              <a:rPr lang="en-US" dirty="0">
+              <a:rPr lang="en-US" sz="1100" dirty="0">
+                <a:solidFill>
+                  <a:srgbClr val="0070C0"/>
+                </a:solidFill>
+              </a:rPr>
+              <a:t>Blue arrows</a:t>
+            </a:r>
+            <a:r>
+              <a:rPr lang="en-US" sz="1100" dirty="0">
                 <a:solidFill>
                   <a:schemeClr val="tx1"/>
                 </a:solidFill>
               </a:rPr>
-              <a:t>Attack program is context switched out right after unlink() and before </a:t>
-            </a:r>
-            <a:r>
-              <a:rPr lang="en-US" dirty="0" err="1">
+              <a:t>: successful attack. </a:t>
+            </a:r>
+            <a:r>
+              <a:rPr lang="en-US" sz="1100" dirty="0">
+                <a:solidFill>
+                  <a:srgbClr val="C00000"/>
+                </a:solidFill>
+              </a:rPr>
+              <a:t>Red arrows</a:t>
+            </a:r>
+            <a:r>
+              <a:rPr lang="en-US" sz="1100" dirty="0">
                 <a:solidFill>
                   <a:schemeClr val="tx1"/>
                 </a:solidFill>
               </a:rPr>
+              <a:t>: Attack program is context switched out right after unlink() and before </a:t>
+            </a:r>
+            <a:r>
+              <a:rPr lang="en-US" sz="1100" dirty="0" err="1">
+                <a:solidFill>
+                  <a:schemeClr val="tx1"/>
+                </a:solidFill>
+              </a:rPr>
               <a:t>symlink</a:t>
             </a:r>
             <a:r>
-              <a:rPr lang="en-US" dirty="0">
+              <a:rPr lang="en-US" sz="1100" dirty="0">
                 <a:solidFill>
                   <a:schemeClr val="tx1"/>
                 </a:solidFill>
@@ -9965,7 +9991,7 @@
               <a:t>(). Target Set-UID program gets a chance to run </a:t>
             </a:r>
             <a:r>
-              <a:rPr lang="en-US" dirty="0" err="1">
+              <a:rPr lang="en-US" sz="1100" dirty="0" err="1">
                 <a:solidFill>
                   <a:schemeClr val="tx1"/>
                 </a:solidFill>
@@ -9973,7 +9999,7 @@
               <a:t>fopen</a:t>
             </a:r>
             <a:r>
-              <a:rPr lang="en-US" dirty="0">
+              <a:rPr lang="en-US" sz="1100" dirty="0">
                 <a:solidFill>
                   <a:schemeClr val="tx1"/>
                 </a:solidFill>
@@ -9981,7 +10007,7 @@
               <a:t>(</a:t>
             </a:r>
             <a:r>
-              <a:rPr lang="en-US" dirty="0" err="1">
+              <a:rPr lang="en-US" sz="1100" dirty="0" err="1">
                 <a:solidFill>
                   <a:schemeClr val="tx1"/>
                 </a:solidFill>
@@ -9989,7 +10015,7 @@
               <a:t>fn</a:t>
             </a:r>
             <a:r>
-              <a:rPr lang="en-US" dirty="0">
+              <a:rPr lang="en-US" sz="1100" dirty="0">
                 <a:solidFill>
                   <a:schemeClr val="tx1"/>
                 </a:solidFill>
@@ -9997,7 +10023,7 @@
               <a:t>, "a+"), which creates a new file /</a:t>
             </a:r>
             <a:r>
-              <a:rPr lang="en-US" dirty="0" err="1">
+              <a:rPr lang="en-US" sz="1100" dirty="0" err="1">
                 <a:solidFill>
                   <a:schemeClr val="tx1"/>
                 </a:solidFill>
@@ -10005,14 +10031,14 @@
               <a:t>tmp</a:t>
             </a:r>
             <a:r>
-              <a:rPr lang="en-US" dirty="0">
+              <a:rPr lang="en-US" sz="1100" dirty="0">
                 <a:solidFill>
                   <a:schemeClr val="tx1"/>
                 </a:solidFill>
               </a:rPr>
               <a:t>/XYZ with owner root. Attacker cannot remove the file, hence attack fails.</a:t>
             </a:r>
-            <a:endParaRPr lang="en-SE" dirty="0">
+            <a:endParaRPr lang="en-SE" sz="1100" dirty="0">
               <a:solidFill>
                 <a:schemeClr val="tx1"/>
               </a:solidFill>
@@ -10252,6 +10278,129 @@
           </a:p>
         </p:txBody>
       </p:sp>
+      <p:cxnSp>
+        <p:nvCxnSpPr>
+          <p:cNvPr id="15" name="Straight Arrow Connector 14">
+            <a:extLst>
+              <a:ext uri="{FF2B5EF4-FFF2-40B4-BE49-F238E27FC236}">
+                <a16:creationId xmlns:a16="http://schemas.microsoft.com/office/drawing/2014/main" id="{97514E0B-4C9E-410A-A786-C2E709040128}"/>
+              </a:ext>
+            </a:extLst>
+          </p:cNvPr>
+          <p:cNvCxnSpPr>
+            <a:cxnSpLocks/>
+          </p:cNvCxnSpPr>
+          <p:nvPr/>
+        </p:nvCxnSpPr>
+        <p:spPr>
+          <a:xfrm>
+            <a:off x="3861531" y="2295868"/>
+            <a:ext cx="853406" cy="761842"/>
+          </a:xfrm>
+          <a:prstGeom prst="straightConnector1">
+            <a:avLst/>
+          </a:prstGeom>
+          <a:ln w="19050">
+            <a:tailEnd type="triangle"/>
+          </a:ln>
+        </p:spPr>
+        <p:style>
+          <a:lnRef idx="3">
+            <a:schemeClr val="accent3"/>
+          </a:lnRef>
+          <a:fillRef idx="0">
+            <a:schemeClr val="accent3"/>
+          </a:fillRef>
+          <a:effectRef idx="2">
+            <a:schemeClr val="accent3"/>
+          </a:effectRef>
+          <a:fontRef idx="minor">
+            <a:schemeClr val="tx1"/>
+          </a:fontRef>
+        </p:style>
+      </p:cxnSp>
+      <p:cxnSp>
+        <p:nvCxnSpPr>
+          <p:cNvPr id="17" name="Straight Arrow Connector 16">
+            <a:extLst>
+              <a:ext uri="{FF2B5EF4-FFF2-40B4-BE49-F238E27FC236}">
+                <a16:creationId xmlns:a16="http://schemas.microsoft.com/office/drawing/2014/main" id="{EEB7A0D4-1DF1-4AF1-ACD6-37C56AD5ED02}"/>
+              </a:ext>
+            </a:extLst>
+          </p:cNvPr>
+          <p:cNvCxnSpPr>
+            <a:cxnSpLocks/>
+          </p:cNvCxnSpPr>
+          <p:nvPr/>
+        </p:nvCxnSpPr>
+        <p:spPr>
+          <a:xfrm flipH="1" flipV="1">
+            <a:off x="3236581" y="2808984"/>
+            <a:ext cx="1478358" cy="325764"/>
+          </a:xfrm>
+          <a:prstGeom prst="straightConnector1">
+            <a:avLst/>
+          </a:prstGeom>
+          <a:ln w="19050">
+            <a:tailEnd type="triangle"/>
+          </a:ln>
+        </p:spPr>
+        <p:style>
+          <a:lnRef idx="3">
+            <a:schemeClr val="accent3"/>
+          </a:lnRef>
+          <a:fillRef idx="0">
+            <a:schemeClr val="accent3"/>
+          </a:fillRef>
+          <a:effectRef idx="2">
+            <a:schemeClr val="accent3"/>
+          </a:effectRef>
+          <a:fontRef idx="minor">
+            <a:schemeClr val="tx1"/>
+          </a:fontRef>
+        </p:style>
+      </p:cxnSp>
+      <p:cxnSp>
+        <p:nvCxnSpPr>
+          <p:cNvPr id="21" name="Straight Arrow Connector 20">
+            <a:extLst>
+              <a:ext uri="{FF2B5EF4-FFF2-40B4-BE49-F238E27FC236}">
+                <a16:creationId xmlns:a16="http://schemas.microsoft.com/office/drawing/2014/main" id="{A539DC6F-EFC5-4A33-A82D-56ED1B369289}"/>
+              </a:ext>
+            </a:extLst>
+          </p:cNvPr>
+          <p:cNvCxnSpPr>
+            <a:cxnSpLocks/>
+          </p:cNvCxnSpPr>
+          <p:nvPr/>
+        </p:nvCxnSpPr>
+        <p:spPr>
+          <a:xfrm>
+            <a:off x="3322101" y="3057710"/>
+            <a:ext cx="1665341" cy="251364"/>
+          </a:xfrm>
+          <a:prstGeom prst="straightConnector1">
+            <a:avLst/>
+          </a:prstGeom>
+          <a:ln w="19050">
+            <a:tailEnd type="triangle"/>
+          </a:ln>
+        </p:spPr>
+        <p:style>
+          <a:lnRef idx="3">
+            <a:schemeClr val="accent3"/>
+          </a:lnRef>
+          <a:fillRef idx="0">
+            <a:schemeClr val="accent3"/>
+          </a:fillRef>
+          <a:effectRef idx="2">
+            <a:schemeClr val="accent3"/>
+          </a:effectRef>
+          <a:fontRef idx="minor">
+            <a:schemeClr val="tx1"/>
+          </a:fontRef>
+        </p:style>
+      </p:cxnSp>
     </p:spTree>
     <p:extLst>
       <p:ext uri="{BB962C8B-B14F-4D97-AF65-F5344CB8AC3E}">
@@ -10499,16 +10648,21 @@
             <p:ph type="title"/>
           </p:nvPr>
         </p:nvSpPr>
-        <p:spPr/>
+        <p:spPr>
+          <a:xfrm>
+            <a:off x="311700" y="171039"/>
+            <a:ext cx="8733624" cy="1111752"/>
+          </a:xfrm>
+        </p:spPr>
         <p:txBody>
           <a:bodyPr/>
           <a:lstStyle/>
           <a:p>
             <a:r>
-              <a:rPr lang="en-US" dirty="0"/>
-              <a:t>3.2 An Undesirable Situation: Solution</a:t>
-            </a:r>
-            <a:endParaRPr lang="en-SE" dirty="0"/>
+              <a:rPr lang="en-US" sz="2000" dirty="0"/>
+              <a:t>3.2 An Undesirable Situation: Solution (try it if your attack is always unsuccessful)</a:t>
+            </a:r>
+            <a:endParaRPr lang="en-SE" sz="2000" dirty="0"/>
           </a:p>
         </p:txBody>
       </p:sp>
@@ -12890,7 +13044,7 @@
         </p:nvSpPr>
         <p:spPr>
           <a:xfrm>
-            <a:off x="311700" y="445025"/>
+            <a:off x="311700" y="-15462"/>
             <a:ext cx="8520600" cy="572700"/>
           </a:xfrm>
           <a:prstGeom prst="rect">
@@ -12910,7 +13064,7 @@
               <a:buNone/>
             </a:pPr>
             <a:r>
-              <a:rPr lang="en-GB"/>
+              <a:rPr lang="en-GB" dirty="0"/>
               <a:t>Race Condition Problem</a:t>
             </a:r>
           </a:p>
@@ -12928,7 +13082,7 @@
         </p:nvSpPr>
         <p:spPr>
           <a:xfrm>
-            <a:off x="311650" y="1017725"/>
+            <a:off x="311650" y="557238"/>
             <a:ext cx="8520600" cy="1053600"/>
           </a:xfrm>
           <a:prstGeom prst="rect">
@@ -13020,8 +13174,8 @@
         </p:nvSpPr>
         <p:spPr>
           <a:xfrm>
-            <a:off x="6006075" y="2007350"/>
-            <a:ext cx="3003000" cy="1368896"/>
+            <a:off x="5927154" y="1249899"/>
+            <a:ext cx="3081921" cy="3893601"/>
           </a:xfrm>
           <a:prstGeom prst="rect">
             <a:avLst/>
@@ -13044,9 +13198,24 @@
               <a:buNone/>
             </a:pPr>
             <a:r>
-              <a:rPr lang="en-GB" sz="1800" dirty="0"/>
+              <a:rPr lang="en-GB" sz="1200" dirty="0"/>
               <a:t>Race Condition can occur here if there are two simultaneous withdraw requests. </a:t>
             </a:r>
+          </a:p>
+          <a:p>
+            <a:r>
+              <a:rPr lang="en-GB" sz="1200" dirty="0"/>
+              <a:t>The code performs withdrawal transaction from a bank. The function checks if the amount to be withdrawn is less than the balance. If yes, it authorizes the withdraw and updates the balance. If there are two simultaneous withdraw requests, a race condition may occur. Example, Current balance  = $100. Request 1 to withdraw $90. Before the server updates the balance, request 2 tries to withdraw $90 which will approved as current balance is still $100. Hence, $180 will be withdrawn with $10 in the account as balance. (Statement $balance=$balance-$amount is not atomic, so each thread may read $balance to be 100, enter the true branch, then each assign $balance=10.)</a:t>
+            </a:r>
+          </a:p>
+          <a:p>
+            <a:pPr marL="0" lvl="0" indent="0">
+              <a:spcBef>
+                <a:spcPts val="0"/>
+              </a:spcBef>
+              <a:buNone/>
+            </a:pPr>
+            <a:endParaRPr lang="en-GB" sz="1200" dirty="0"/>
           </a:p>
         </p:txBody>
       </p:sp>

--- a/InfoSec/PPTs/Labs/Lab2-Race_Condition.pptx
+++ b/InfoSec/PPTs/Labs/Lab2-Race_Condition.pptx
@@ -13174,8 +13174,8 @@
         </p:nvSpPr>
         <p:spPr>
           <a:xfrm>
-            <a:off x="5927154" y="1249899"/>
-            <a:ext cx="3081921" cy="3893601"/>
+            <a:off x="5927154" y="1518522"/>
+            <a:ext cx="3081921" cy="3624978"/>
           </a:xfrm>
           <a:prstGeom prst="rect">
             <a:avLst/>
@@ -13190,18 +13190,6 @@
             <a:noAutofit/>
           </a:bodyPr>
           <a:lstStyle/>
-          <a:p>
-            <a:pPr marL="0" lvl="0" indent="0">
-              <a:spcBef>
-                <a:spcPts val="0"/>
-              </a:spcBef>
-              <a:buNone/>
-            </a:pPr>
-            <a:r>
-              <a:rPr lang="en-GB" sz="1200" dirty="0"/>
-              <a:t>Race Condition can occur here if there are two simultaneous withdraw requests. </a:t>
-            </a:r>
-          </a:p>
           <a:p>
             <a:r>
               <a:rPr lang="en-GB" sz="1200" dirty="0"/>
